--- a/Semester 3/OOP2/Notes/6_Composite class and static.pptx
+++ b/Semester 3/OOP2/Notes/6_Composite class and static.pptx
@@ -239,7 +239,7 @@
           <a:p>
             <a:fld id="{9BFE8628-D403-4163-8F9A-54B589FD4B03}" type="datetimeFigureOut">
               <a:rPr lang="en-IE" smtClean="0"/>
-              <a:t>07/10/2014</a:t>
+              <a:t>13/10/2014</a:t>
             </a:fld>
             <a:endParaRPr lang="en-IE"/>
           </a:p>
@@ -661,7 +661,7 @@
             <a:fld id="{E0FC0DEF-4EF4-45D2-9127-C73A8CAC5337}" type="datetime1">
               <a:rPr lang="en-IE" sz="1200" smtClean="0"/>
               <a:pPr/>
-              <a:t>07/10/2014</a:t>
+              <a:t>13/10/2014</a:t>
             </a:fld>
             <a:endParaRPr lang="en-IE" sz="1200" smtClean="0"/>
           </a:p>
@@ -1173,7 +1173,7 @@
             <a:fld id="{A4419300-F6CF-4C80-B7A9-4034451F8043}" type="datetime1">
               <a:rPr lang="en-IE" sz="1200" smtClean="0"/>
               <a:pPr/>
-              <a:t>07/10/2014</a:t>
+              <a:t>13/10/2014</a:t>
             </a:fld>
             <a:endParaRPr lang="en-IE" sz="1200" smtClean="0"/>
           </a:p>
@@ -1685,7 +1685,7 @@
             <a:fld id="{2B6D8C3A-5716-417D-85F1-94EEC69A94C0}" type="datetime1">
               <a:rPr lang="en-IE" sz="1200" smtClean="0"/>
               <a:pPr/>
-              <a:t>07/10/2014</a:t>
+              <a:t>13/10/2014</a:t>
             </a:fld>
             <a:endParaRPr lang="en-IE" sz="1200" smtClean="0"/>
           </a:p>
@@ -2197,7 +2197,7 @@
             <a:fld id="{FED3B079-8C36-41D0-89C3-947C09DAEA6A}" type="datetime1">
               <a:rPr lang="en-IE" sz="1200" smtClean="0"/>
               <a:pPr/>
-              <a:t>07/10/2014</a:t>
+              <a:t>13/10/2014</a:t>
             </a:fld>
             <a:endParaRPr lang="en-IE" sz="1200" smtClean="0"/>
           </a:p>
@@ -2709,7 +2709,7 @@
             <a:fld id="{EB115383-1BA6-427B-80AA-798CDCAD468D}" type="datetime1">
               <a:rPr lang="en-IE" sz="1200" smtClean="0"/>
               <a:pPr/>
-              <a:t>07/10/2014</a:t>
+              <a:t>13/10/2014</a:t>
             </a:fld>
             <a:endParaRPr lang="en-IE" sz="1200" smtClean="0"/>
           </a:p>
@@ -3221,7 +3221,7 @@
             <a:fld id="{0C719A72-E895-4678-BBC7-DFC049DE36A1}" type="datetime1">
               <a:rPr lang="en-IE" sz="1200" smtClean="0"/>
               <a:pPr/>
-              <a:t>07/10/2014</a:t>
+              <a:t>13/10/2014</a:t>
             </a:fld>
             <a:endParaRPr lang="en-IE" sz="1200" smtClean="0"/>
           </a:p>
@@ -3733,7 +3733,7 @@
             <a:fld id="{96975873-E5C1-4776-ABFA-AA15D1665FAF}" type="datetime1">
               <a:rPr lang="en-IE" sz="1200" smtClean="0"/>
               <a:pPr/>
-              <a:t>07/10/2014</a:t>
+              <a:t>13/10/2014</a:t>
             </a:fld>
             <a:endParaRPr lang="en-IE" sz="1200" smtClean="0"/>
           </a:p>
@@ -4249,7 +4249,7 @@
             <a:fld id="{B74694B2-99FE-4A36-A2D7-7EE68025295F}" type="datetime1">
               <a:rPr lang="en-IE" sz="1200" smtClean="0"/>
               <a:pPr/>
-              <a:t>07/10/2014</a:t>
+              <a:t>13/10/2014</a:t>
             </a:fld>
             <a:endParaRPr lang="en-IE" sz="1200" smtClean="0"/>
           </a:p>
@@ -4761,7 +4761,7 @@
             <a:fld id="{5C5C486F-62EF-4325-9024-6C2501167AF8}" type="datetime1">
               <a:rPr lang="en-IE" sz="1200" smtClean="0"/>
               <a:pPr/>
-              <a:t>07/10/2014</a:t>
+              <a:t>13/10/2014</a:t>
             </a:fld>
             <a:endParaRPr lang="en-IE" sz="1200" smtClean="0"/>
           </a:p>
@@ -5273,7 +5273,7 @@
             <a:fld id="{92B908ED-23EF-4B77-AED7-DBFED249EF3E}" type="datetime1">
               <a:rPr lang="en-IE" sz="1200" smtClean="0"/>
               <a:pPr/>
-              <a:t>07/10/2014</a:t>
+              <a:t>13/10/2014</a:t>
             </a:fld>
             <a:endParaRPr lang="en-IE" sz="1200" smtClean="0"/>
           </a:p>
@@ -5785,7 +5785,7 @@
             <a:fld id="{A611CC4E-D2F0-446E-A7B9-88BA195DFBF7}" type="datetime1">
               <a:rPr lang="en-IE" sz="1200" smtClean="0"/>
               <a:pPr/>
-              <a:t>07/10/2014</a:t>
+              <a:t>13/10/2014</a:t>
             </a:fld>
             <a:endParaRPr lang="en-IE" sz="1200" smtClean="0"/>
           </a:p>
@@ -6297,7 +6297,7 @@
             <a:fld id="{41D9963E-073E-40B0-9B47-34D42428C02F}" type="datetime1">
               <a:rPr lang="en-IE" sz="1200" smtClean="0"/>
               <a:pPr/>
-              <a:t>07/10/2014</a:t>
+              <a:t>13/10/2014</a:t>
             </a:fld>
             <a:endParaRPr lang="en-IE" sz="1200" smtClean="0"/>
           </a:p>
@@ -6809,7 +6809,7 @@
             <a:fld id="{A6FC02E2-AEB8-4273-AE89-4C5F35E78596}" type="datetime1">
               <a:rPr lang="en-IE" sz="1200" smtClean="0"/>
               <a:pPr/>
-              <a:t>07/10/2014</a:t>
+              <a:t>13/10/2014</a:t>
             </a:fld>
             <a:endParaRPr lang="en-IE" sz="1200" smtClean="0"/>
           </a:p>
@@ -7321,7 +7321,7 @@
             <a:fld id="{D04C9594-1636-4F8E-B9CE-6164C5AA3A35}" type="datetime1">
               <a:rPr lang="en-IE" sz="1200" smtClean="0"/>
               <a:pPr/>
-              <a:t>07/10/2014</a:t>
+              <a:t>13/10/2014</a:t>
             </a:fld>
             <a:endParaRPr lang="en-IE" sz="1200" smtClean="0"/>
           </a:p>
@@ -7833,7 +7833,7 @@
             <a:fld id="{62C382AE-D4D1-4074-AC5C-779505089212}" type="datetime1">
               <a:rPr lang="en-IE" sz="1200" smtClean="0"/>
               <a:pPr/>
-              <a:t>07/10/2014</a:t>
+              <a:t>13/10/2014</a:t>
             </a:fld>
             <a:endParaRPr lang="en-IE" sz="1200" smtClean="0"/>
           </a:p>
@@ -8345,7 +8345,7 @@
             <a:fld id="{7C73EB01-2752-4269-BB0C-CE3318E6A92C}" type="datetime1">
               <a:rPr lang="en-IE" sz="1200" smtClean="0"/>
               <a:pPr/>
-              <a:t>07/10/2014</a:t>
+              <a:t>13/10/2014</a:t>
             </a:fld>
             <a:endParaRPr lang="en-IE" sz="1200" smtClean="0"/>
           </a:p>
@@ -8857,7 +8857,7 @@
             <a:fld id="{EF58372E-BB16-4215-982F-9940CAA997D5}" type="datetime1">
               <a:rPr lang="en-IE" sz="1200" smtClean="0"/>
               <a:pPr/>
-              <a:t>07/10/2014</a:t>
+              <a:t>13/10/2014</a:t>
             </a:fld>
             <a:endParaRPr lang="en-IE" sz="1200" smtClean="0"/>
           </a:p>
@@ -9369,7 +9369,7 @@
             <a:fld id="{2AD9557D-9D96-4D5C-974A-C6994DE0E659}" type="datetime1">
               <a:rPr lang="en-IE" sz="1200" smtClean="0"/>
               <a:pPr/>
-              <a:t>07/10/2014</a:t>
+              <a:t>13/10/2014</a:t>
             </a:fld>
             <a:endParaRPr lang="en-IE" sz="1200" smtClean="0"/>
           </a:p>
@@ -9881,7 +9881,7 @@
             <a:fld id="{25AB35D1-8256-43EF-A3FF-474F2C07CED5}" type="datetime1">
               <a:rPr lang="en-IE" sz="1200" smtClean="0"/>
               <a:pPr/>
-              <a:t>07/10/2014</a:t>
+              <a:t>13/10/2014</a:t>
             </a:fld>
             <a:endParaRPr lang="en-IE" sz="1200" smtClean="0"/>
           </a:p>
@@ -10393,7 +10393,7 @@
             <a:fld id="{B06FB0A8-B812-4BDC-A81D-E6E966ED5AE5}" type="datetime1">
               <a:rPr lang="en-IE" sz="1200" smtClean="0"/>
               <a:pPr/>
-              <a:t>07/10/2014</a:t>
+              <a:t>13/10/2014</a:t>
             </a:fld>
             <a:endParaRPr lang="en-IE" sz="1200" smtClean="0"/>
           </a:p>
@@ -10905,7 +10905,7 @@
             <a:fld id="{EE22AA0E-FE70-454E-988C-3137D40D0707}" type="datetime1">
               <a:rPr lang="en-IE" sz="1200" smtClean="0"/>
               <a:pPr/>
-              <a:t>07/10/2014</a:t>
+              <a:t>13/10/2014</a:t>
             </a:fld>
             <a:endParaRPr lang="en-IE" sz="1200" smtClean="0"/>
           </a:p>
@@ -11417,7 +11417,7 @@
             <a:fld id="{B6345B23-33D2-49DC-8983-C4B8E991F47E}" type="datetime1">
               <a:rPr lang="en-IE" sz="1200" smtClean="0"/>
               <a:pPr/>
-              <a:t>07/10/2014</a:t>
+              <a:t>13/10/2014</a:t>
             </a:fld>
             <a:endParaRPr lang="en-IE" sz="1200" smtClean="0"/>
           </a:p>
@@ -11929,7 +11929,7 @@
             <a:fld id="{40E34AFE-A008-42B9-BAED-624E838EF46D}" type="datetime1">
               <a:rPr lang="en-IE" sz="1200" smtClean="0"/>
               <a:pPr/>
-              <a:t>07/10/2014</a:t>
+              <a:t>13/10/2014</a:t>
             </a:fld>
             <a:endParaRPr lang="en-IE" sz="1200" smtClean="0"/>
           </a:p>
@@ -12445,7 +12445,7 @@
             <a:fld id="{7BDE4AE3-D308-48D1-9118-814E3A1BB88B}" type="datetime1">
               <a:rPr lang="en-IE" sz="1200" smtClean="0"/>
               <a:pPr/>
-              <a:t>07/10/2014</a:t>
+              <a:t>13/10/2014</a:t>
             </a:fld>
             <a:endParaRPr lang="en-IE" sz="1200" smtClean="0"/>
           </a:p>
@@ -12957,7 +12957,7 @@
             <a:fld id="{55DA8792-7A97-4129-8B05-329ED5D7F71B}" type="datetime1">
               <a:rPr lang="en-IE" sz="1200" smtClean="0"/>
               <a:pPr/>
-              <a:t>07/10/2014</a:t>
+              <a:t>13/10/2014</a:t>
             </a:fld>
             <a:endParaRPr lang="en-IE" sz="1200" smtClean="0"/>
           </a:p>
@@ -13469,7 +13469,7 @@
             <a:fld id="{56F118C6-AA86-4F71-97AF-628CD3005B9D}" type="datetime1">
               <a:rPr lang="en-IE" sz="1200" smtClean="0"/>
               <a:pPr/>
-              <a:t>07/10/2014</a:t>
+              <a:t>13/10/2014</a:t>
             </a:fld>
             <a:endParaRPr lang="en-IE" sz="1200" smtClean="0"/>
           </a:p>
@@ -13981,7 +13981,7 @@
             <a:fld id="{2D80D358-49AB-403B-B8E5-2C8E1513B5B6}" type="datetime1">
               <a:rPr lang="en-IE" sz="1200" smtClean="0"/>
               <a:pPr/>
-              <a:t>07/10/2014</a:t>
+              <a:t>13/10/2014</a:t>
             </a:fld>
             <a:endParaRPr lang="en-IE" sz="1200" smtClean="0"/>
           </a:p>
@@ -14493,7 +14493,7 @@
             <a:fld id="{48938E3B-5DB3-4BFA-A10D-312EC1C3ABDA}" type="datetime1">
               <a:rPr lang="en-IE" sz="1200" smtClean="0"/>
               <a:pPr/>
-              <a:t>07/10/2014</a:t>
+              <a:t>13/10/2014</a:t>
             </a:fld>
             <a:endParaRPr lang="en-IE" sz="1200" smtClean="0"/>
           </a:p>
@@ -15005,7 +15005,7 @@
             <a:fld id="{8345636A-6727-4B80-9BB8-847272CF24F1}" type="datetime1">
               <a:rPr lang="en-IE" sz="1200" smtClean="0"/>
               <a:pPr/>
-              <a:t>07/10/2014</a:t>
+              <a:t>13/10/2014</a:t>
             </a:fld>
             <a:endParaRPr lang="en-IE" sz="1200" smtClean="0"/>
           </a:p>
@@ -15517,7 +15517,7 @@
             <a:fld id="{98C5DA2B-8148-48A5-AA97-53C6FEE8F892}" type="datetime1">
               <a:rPr lang="en-IE" sz="1200" smtClean="0"/>
               <a:pPr/>
-              <a:t>07/10/2014</a:t>
+              <a:t>13/10/2014</a:t>
             </a:fld>
             <a:endParaRPr lang="en-IE" sz="1200" smtClean="0"/>
           </a:p>
@@ -16029,7 +16029,7 @@
             <a:fld id="{2FF0C297-C9CF-47DE-9B2D-F3E906199F3D}" type="datetime1">
               <a:rPr lang="en-IE" sz="1200" smtClean="0"/>
               <a:pPr/>
-              <a:t>07/10/2014</a:t>
+              <a:t>13/10/2014</a:t>
             </a:fld>
             <a:endParaRPr lang="en-IE" sz="1200" smtClean="0"/>
           </a:p>
@@ -16545,7 +16545,7 @@
             <a:fld id="{DA49C4FB-61EE-4878-AC28-8ABEED298213}" type="datetime1">
               <a:rPr lang="en-IE" sz="1200" smtClean="0"/>
               <a:pPr/>
-              <a:t>07/10/2014</a:t>
+              <a:t>13/10/2014</a:t>
             </a:fld>
             <a:endParaRPr lang="en-IE" sz="1200" smtClean="0"/>
           </a:p>
@@ -17084,7 +17084,7 @@
           <a:p>
             <a:fld id="{18FDC4A1-BFEE-4F58-9A72-8A3ECDAE6E00}" type="datetimeFigureOut">
               <a:rPr lang="en-IE" smtClean="0"/>
-              <a:t>07/10/2014</a:t>
+              <a:t>13/10/2014</a:t>
             </a:fld>
             <a:endParaRPr lang="en-IE"/>
           </a:p>
@@ -17254,7 +17254,7 @@
           <a:p>
             <a:fld id="{18FDC4A1-BFEE-4F58-9A72-8A3ECDAE6E00}" type="datetimeFigureOut">
               <a:rPr lang="en-IE" smtClean="0"/>
-              <a:t>07/10/2014</a:t>
+              <a:t>13/10/2014</a:t>
             </a:fld>
             <a:endParaRPr lang="en-IE"/>
           </a:p>
@@ -17434,7 +17434,7 @@
           <a:p>
             <a:fld id="{18FDC4A1-BFEE-4F58-9A72-8A3ECDAE6E00}" type="datetimeFigureOut">
               <a:rPr lang="en-IE" smtClean="0"/>
-              <a:t>07/10/2014</a:t>
+              <a:t>13/10/2014</a:t>
             </a:fld>
             <a:endParaRPr lang="en-IE"/>
           </a:p>
@@ -17604,7 +17604,7 @@
           <a:p>
             <a:fld id="{18FDC4A1-BFEE-4F58-9A72-8A3ECDAE6E00}" type="datetimeFigureOut">
               <a:rPr lang="en-IE" smtClean="0"/>
-              <a:t>07/10/2014</a:t>
+              <a:t>13/10/2014</a:t>
             </a:fld>
             <a:endParaRPr lang="en-IE"/>
           </a:p>
@@ -17850,7 +17850,7 @@
           <a:p>
             <a:fld id="{18FDC4A1-BFEE-4F58-9A72-8A3ECDAE6E00}" type="datetimeFigureOut">
               <a:rPr lang="en-IE" smtClean="0"/>
-              <a:t>07/10/2014</a:t>
+              <a:t>13/10/2014</a:t>
             </a:fld>
             <a:endParaRPr lang="en-IE"/>
           </a:p>
@@ -18138,7 +18138,7 @@
           <a:p>
             <a:fld id="{18FDC4A1-BFEE-4F58-9A72-8A3ECDAE6E00}" type="datetimeFigureOut">
               <a:rPr lang="en-IE" smtClean="0"/>
-              <a:t>07/10/2014</a:t>
+              <a:t>13/10/2014</a:t>
             </a:fld>
             <a:endParaRPr lang="en-IE"/>
           </a:p>
@@ -18560,7 +18560,7 @@
           <a:p>
             <a:fld id="{18FDC4A1-BFEE-4F58-9A72-8A3ECDAE6E00}" type="datetimeFigureOut">
               <a:rPr lang="en-IE" smtClean="0"/>
-              <a:t>07/10/2014</a:t>
+              <a:t>13/10/2014</a:t>
             </a:fld>
             <a:endParaRPr lang="en-IE"/>
           </a:p>
@@ -18678,7 +18678,7 @@
           <a:p>
             <a:fld id="{18FDC4A1-BFEE-4F58-9A72-8A3ECDAE6E00}" type="datetimeFigureOut">
               <a:rPr lang="en-IE" smtClean="0"/>
-              <a:t>07/10/2014</a:t>
+              <a:t>13/10/2014</a:t>
             </a:fld>
             <a:endParaRPr lang="en-IE"/>
           </a:p>
@@ -18773,7 +18773,7 @@
           <a:p>
             <a:fld id="{18FDC4A1-BFEE-4F58-9A72-8A3ECDAE6E00}" type="datetimeFigureOut">
               <a:rPr lang="en-IE" smtClean="0"/>
-              <a:t>07/10/2014</a:t>
+              <a:t>13/10/2014</a:t>
             </a:fld>
             <a:endParaRPr lang="en-IE"/>
           </a:p>
@@ -19050,7 +19050,7 @@
           <a:p>
             <a:fld id="{18FDC4A1-BFEE-4F58-9A72-8A3ECDAE6E00}" type="datetimeFigureOut">
               <a:rPr lang="en-IE" smtClean="0"/>
-              <a:t>07/10/2014</a:t>
+              <a:t>13/10/2014</a:t>
             </a:fld>
             <a:endParaRPr lang="en-IE"/>
           </a:p>
@@ -19303,7 +19303,7 @@
           <a:p>
             <a:fld id="{18FDC4A1-BFEE-4F58-9A72-8A3ECDAE6E00}" type="datetimeFigureOut">
               <a:rPr lang="en-IE" smtClean="0"/>
-              <a:t>07/10/2014</a:t>
+              <a:t>13/10/2014</a:t>
             </a:fld>
             <a:endParaRPr lang="en-IE"/>
           </a:p>
@@ -19516,7 +19516,7 @@
           <a:p>
             <a:fld id="{18FDC4A1-BFEE-4F58-9A72-8A3ECDAE6E00}" type="datetimeFigureOut">
               <a:rPr lang="en-IE" smtClean="0"/>
-              <a:t>07/10/2014</a:t>
+              <a:t>13/10/2014</a:t>
             </a:fld>
             <a:endParaRPr lang="en-IE"/>
           </a:p>
@@ -22787,7 +22787,7 @@
           <a:bodyPr/>
           <a:lstStyle/>
           <a:p>
-            <a:endParaRPr lang="en-US" smtClean="0"/>
+            <a:endParaRPr lang="en-US" dirty="0" smtClean="0"/>
           </a:p>
         </p:txBody>
       </p:sp>
@@ -23089,8 +23089,8 @@
         </p:nvSpPr>
         <p:spPr bwMode="auto">
           <a:xfrm flipH="1" flipV="1">
-            <a:off x="3995738" y="2708275"/>
-            <a:ext cx="1152525" cy="433388"/>
+            <a:off x="3995737" y="2781299"/>
+            <a:ext cx="1152525" cy="360363"/>
           </a:xfrm>
           <a:prstGeom prst="line">
             <a:avLst/>
